--- a/Complimentary Course Content/Module7/Lessons/Module7_Lesson6 Testing The Web Server Deployment.pptx
+++ b/Complimentary Course Content/Module7/Lessons/Module7_Lesson6 Testing The Web Server Deployment.pptx
@@ -135,7 +135,7 @@
   </p:defaultTextStyle>
   <p:extLst>
     <p:ext uri="{EFAFB233-063F-42B5-8137-9DF3F51BA10A}">
-      <p15:sldGuideLst xmlns="" xmlns:p15="http://schemas.microsoft.com/office/powerpoint/2012/main">
+      <p15:sldGuideLst xmlns:p15="http://schemas.microsoft.com/office/powerpoint/2012/main" xmlns="">
         <p15:guide id="1" orient="horz" pos="2184" userDrawn="1">
           <p15:clr>
             <a:srgbClr val="A4A3A4"/>
@@ -256,7 +256,7 @@
             <a:fld id="{49B60EF2-7028-489F-85D8-FE86CD7CF2A0}" type="datetimeFigureOut">
               <a:rPr lang="en-US" smtClean="0"/>
               <a:pPr/>
-              <a:t>6/22/16</a:t>
+              <a:t>6/30/16</a:t>
             </a:fld>
             <a:endParaRPr lang="en-US"/>
           </a:p>
@@ -4424,7 +4424,7 @@
             <a:fld id="{0459C166-16D3-4A25-A2F8-C51E0E346B22}" type="datetimeFigureOut">
               <a:rPr lang="en-US" smtClean="0"/>
               <a:pPr/>
-              <a:t>6/22/16</a:t>
+              <a:t>6/30/16</a:t>
             </a:fld>
             <a:endParaRPr lang="en-US"/>
           </a:p>
@@ -4793,7 +4793,7 @@
             <a:fld id="{0459C166-16D3-4A25-A2F8-C51E0E346B22}" type="datetimeFigureOut">
               <a:rPr lang="en-US" smtClean="0"/>
               <a:pPr/>
-              <a:t>6/22/16</a:t>
+              <a:t>6/30/16</a:t>
             </a:fld>
             <a:endParaRPr lang="en-US"/>
           </a:p>
@@ -4913,7 +4913,7 @@
             <a:fld id="{0459C166-16D3-4A25-A2F8-C51E0E346B22}" type="datetimeFigureOut">
               <a:rPr lang="en-US" smtClean="0"/>
               <a:pPr/>
-              <a:t>6/22/16</a:t>
+              <a:t>6/30/16</a:t>
             </a:fld>
             <a:endParaRPr lang="en-US"/>
           </a:p>
@@ -5085,7 +5085,7 @@
             <a:fld id="{0459C166-16D3-4A25-A2F8-C51E0E346B22}" type="datetimeFigureOut">
               <a:rPr lang="en-US" smtClean="0"/>
               <a:pPr/>
-              <a:t>6/22/16</a:t>
+              <a:t>6/30/16</a:t>
             </a:fld>
             <a:endParaRPr lang="en-US"/>
           </a:p>
@@ -5351,7 +5351,7 @@
             <a:fld id="{0459C166-16D3-4A25-A2F8-C51E0E346B22}" type="datetimeFigureOut">
               <a:rPr lang="en-US" smtClean="0"/>
               <a:pPr/>
-              <a:t>6/22/16</a:t>
+              <a:t>6/30/16</a:t>
             </a:fld>
             <a:endParaRPr lang="en-US"/>
           </a:p>
@@ -5671,7 +5671,7 @@
             <a:fld id="{0459C166-16D3-4A25-A2F8-C51E0E346B22}" type="datetimeFigureOut">
               <a:rPr lang="en-US" smtClean="0"/>
               <a:pPr/>
-              <a:t>6/22/16</a:t>
+              <a:t>6/30/16</a:t>
             </a:fld>
             <a:endParaRPr lang="en-US"/>
           </a:p>
@@ -6070,7 +6070,7 @@
             <a:fld id="{0459C166-16D3-4A25-A2F8-C51E0E346B22}" type="datetimeFigureOut">
               <a:rPr lang="en-US" smtClean="0"/>
               <a:pPr/>
-              <a:t>6/22/16</a:t>
+              <a:t>6/30/16</a:t>
             </a:fld>
             <a:endParaRPr lang="en-US"/>
           </a:p>
@@ -7042,7 +7042,7 @@
             <a:fld id="{0459C166-16D3-4A25-A2F8-C51E0E346B22}" type="datetimeFigureOut">
               <a:rPr lang="en-US" smtClean="0"/>
               <a:pPr/>
-              <a:t>6/22/16</a:t>
+              <a:t>6/30/16</a:t>
             </a:fld>
             <a:endParaRPr lang="en-US"/>
           </a:p>
@@ -7256,7 +7256,7 @@
             <a:fld id="{0459C166-16D3-4A25-A2F8-C51E0E346B22}" type="datetimeFigureOut">
               <a:rPr lang="en-US" smtClean="0"/>
               <a:pPr/>
-              <a:t>6/22/16</a:t>
+              <a:t>6/30/16</a:t>
             </a:fld>
             <a:endParaRPr lang="en-US"/>
           </a:p>
@@ -9339,21 +9339,8 @@
                   <a:srgbClr val="000000"/>
                 </a:solidFill>
               </a:rPr>
-              <a:t>Ensures that new code will not break legacy code and </a:t>
-            </a:r>
-            <a:r>
-              <a:rPr lang="en-US" sz="2800" dirty="0" smtClean="0">
-                <a:solidFill>
-                  <a:srgbClr val="000000"/>
-                </a:solidFill>
-              </a:rPr>
-              <a:t>applications</a:t>
-            </a:r>
-            <a:endParaRPr lang="en-US" sz="2800" dirty="0" smtClean="0">
-              <a:solidFill>
-                <a:srgbClr val="000000"/>
-              </a:solidFill>
-            </a:endParaRPr>
+              <a:t>Ensures that new code will not break legacy code and applications</a:t>
+            </a:r>
           </a:p>
         </p:txBody>
       </p:sp>
@@ -11065,7 +11052,7 @@
           <p:nvPr>
             <p:extLst>
               <p:ext uri="{D42A27DB-BD31-4B8C-83A1-F6EECF244321}">
-                <p14:modId xmlns:p14="http://schemas.microsoft.com/office/powerpoint/2010/main" val="671444812"/>
+                <p14:modId xmlns:p14="http://schemas.microsoft.com/office/powerpoint/2010/main" val="498578591"/>
               </p:ext>
             </p:extLst>
           </p:nvPr>
@@ -11084,14 +11071,14 @@
                 <a:gridCol w="3792971">
                   <a:extLst>
                     <a:ext uri="{9D8B030D-6E8A-4147-A177-3AD203B41FA5}">
-                      <a16:colId xmlns:a16="http://schemas.microsoft.com/office/drawing/2014/main" xmlns="" val="48614039"/>
+                      <a16:colId xmlns="" xmlns:a16="http://schemas.microsoft.com/office/drawing/2014/main" val="48614039"/>
                     </a:ext>
                   </a:extLst>
                 </a:gridCol>
                 <a:gridCol w="6281571">
                   <a:extLst>
                     <a:ext uri="{9D8B030D-6E8A-4147-A177-3AD203B41FA5}">
-                      <a16:colId xmlns:a16="http://schemas.microsoft.com/office/drawing/2014/main" xmlns="" val="1124546490"/>
+                      <a16:colId xmlns="" xmlns:a16="http://schemas.microsoft.com/office/drawing/2014/main" val="1124546490"/>
                     </a:ext>
                   </a:extLst>
                 </a:gridCol>
@@ -11104,14 +11091,14 @@
                     <a:p>
                       <a:pPr algn="ctr"/>
                       <a:r>
-                        <a:rPr lang="en-US" b="0" dirty="0" smtClean="0">
+                        <a:rPr lang="en-US" b="1" dirty="0" smtClean="0">
                           <a:solidFill>
                             <a:schemeClr val="bg1"/>
                           </a:solidFill>
                         </a:rPr>
                         <a:t>Command</a:t>
                       </a:r>
-                      <a:endParaRPr lang="en-US" b="0" dirty="0">
+                      <a:endParaRPr lang="en-US" b="1" dirty="0">
                         <a:solidFill>
                           <a:schemeClr val="bg1"/>
                         </a:solidFill>
@@ -11153,7 +11140,7 @@
                 </a:tc>
                 <a:extLst>
                   <a:ext uri="{0D108BD9-81ED-4DB2-BD59-A6C34878D82A}">
-                    <a16:rowId xmlns:a16="http://schemas.microsoft.com/office/drawing/2014/main" xmlns="" val="679667022"/>
+                    <a16:rowId xmlns="" xmlns:a16="http://schemas.microsoft.com/office/drawing/2014/main" val="679667022"/>
                   </a:ext>
                 </a:extLst>
               </a:tr>
@@ -11165,10 +11152,10 @@
                     <a:p>
                       <a:pPr algn="l"/>
                       <a:r>
-                        <a:rPr lang="en-US" dirty="0" smtClean="0"/>
+                        <a:rPr lang="en-US" b="1" dirty="0" smtClean="0"/>
                         <a:t>$kitchen list</a:t>
                       </a:r>
-                      <a:endParaRPr lang="en-US" dirty="0"/>
+                      <a:endParaRPr lang="en-US" b="1" dirty="0"/>
                     </a:p>
                   </a:txBody>
                   <a:tcPr>
@@ -11218,7 +11205,7 @@
                 </a:tc>
                 <a:extLst>
                   <a:ext uri="{0D108BD9-81ED-4DB2-BD59-A6C34878D82A}">
-                    <a16:rowId xmlns:a16="http://schemas.microsoft.com/office/drawing/2014/main" xmlns="" val="2034482246"/>
+                    <a16:rowId xmlns="" xmlns:a16="http://schemas.microsoft.com/office/drawing/2014/main" val="2034482246"/>
                   </a:ext>
                 </a:extLst>
               </a:tr>
@@ -11230,14 +11217,9 @@
                     <a:p>
                       <a:pPr algn="l"/>
                       <a:r>
-                        <a:rPr lang="en-US" dirty="0" smtClean="0"/>
-                        <a:t>$kitchen </a:t>
+                        <a:rPr lang="en-US" b="1" dirty="0" smtClean="0"/>
+                        <a:t>$kitchen create</a:t>
                       </a:r>
-                      <a:r>
-                        <a:rPr lang="en-US" dirty="0" smtClean="0"/>
-                        <a:t>create</a:t>
-                      </a:r>
-                      <a:endParaRPr lang="en-US" dirty="0" smtClean="0"/>
                     </a:p>
                   </a:txBody>
                   <a:tcPr>
@@ -11272,13 +11254,8 @@
                       </a:pPr>
                       <a:r>
                         <a:rPr lang="en-US" dirty="0" smtClean="0"/>
-                        <a:t>create the </a:t>
+                        <a:t>create the environments</a:t>
                       </a:r>
-                      <a:r>
-                        <a:rPr lang="en-US" dirty="0" smtClean="0"/>
-                        <a:t>environments</a:t>
-                      </a:r>
-                      <a:endParaRPr lang="en-US" dirty="0" smtClean="0"/>
                     </a:p>
                   </a:txBody>
                   <a:tcPr>
@@ -11291,7 +11268,7 @@
                 </a:tc>
                 <a:extLst>
                   <a:ext uri="{0D108BD9-81ED-4DB2-BD59-A6C34878D82A}">
-                    <a16:rowId xmlns:a16="http://schemas.microsoft.com/office/drawing/2014/main" xmlns="" val="682465758"/>
+                    <a16:rowId xmlns="" xmlns:a16="http://schemas.microsoft.com/office/drawing/2014/main" val="682465758"/>
                   </a:ext>
                 </a:extLst>
               </a:tr>
@@ -11303,18 +11280,10 @@
                     <a:p>
                       <a:pPr algn="l"/>
                       <a:r>
-                        <a:rPr lang="en-US" dirty="0" smtClean="0"/>
-                        <a:t>$</a:t>
+                        <a:rPr lang="en-US" b="1" dirty="0" smtClean="0"/>
+                        <a:t>$kitchen login</a:t>
                       </a:r>
-                      <a:r>
-                        <a:rPr lang="en-US" dirty="0" smtClean="0"/>
-                        <a:t>kitchen </a:t>
-                      </a:r>
-                      <a:r>
-                        <a:rPr lang="en-US" dirty="0" smtClean="0"/>
-                        <a:t>login</a:t>
-                      </a:r>
-                      <a:endParaRPr lang="en-US" dirty="0"/>
+                      <a:endParaRPr lang="en-US" b="1" dirty="0"/>
                     </a:p>
                   </a:txBody>
                   <a:tcPr>
@@ -11348,7 +11317,7 @@
                 </a:tc>
                 <a:extLst>
                   <a:ext uri="{0D108BD9-81ED-4DB2-BD59-A6C34878D82A}">
-                    <a16:rowId xmlns:a16="http://schemas.microsoft.com/office/drawing/2014/main" xmlns="" val="4230228483"/>
+                    <a16:rowId xmlns="" xmlns:a16="http://schemas.microsoft.com/office/drawing/2014/main" val="4230228483"/>
                   </a:ext>
                 </a:extLst>
               </a:tr>
@@ -11360,14 +11329,10 @@
                     <a:p>
                       <a:pPr algn="l"/>
                       <a:r>
-                        <a:rPr lang="en-US" dirty="0" smtClean="0"/>
-                        <a:t>$kitchen </a:t>
+                        <a:rPr lang="en-US" b="1" dirty="0" smtClean="0"/>
+                        <a:t>$kitchen converge</a:t>
                       </a:r>
-                      <a:r>
-                        <a:rPr lang="en-US" dirty="0" smtClean="0"/>
-                        <a:t>converge</a:t>
-                      </a:r>
-                      <a:endParaRPr lang="en-US" dirty="0"/>
+                      <a:endParaRPr lang="en-US" b="1" dirty="0"/>
                     </a:p>
                   </a:txBody>
                   <a:tcPr>
@@ -11401,7 +11366,7 @@
                 </a:tc>
                 <a:extLst>
                   <a:ext uri="{0D108BD9-81ED-4DB2-BD59-A6C34878D82A}">
-                    <a16:rowId xmlns:a16="http://schemas.microsoft.com/office/drawing/2014/main" xmlns="" val="3329658239"/>
+                    <a16:rowId xmlns="" xmlns:a16="http://schemas.microsoft.com/office/drawing/2014/main" val="3329658239"/>
                   </a:ext>
                 </a:extLst>
               </a:tr>
@@ -11429,7 +11394,7 @@
                         <a:defRPr/>
                       </a:pPr>
                       <a:r>
-                        <a:rPr lang="en-US" dirty="0" smtClean="0"/>
+                        <a:rPr lang="en-US" b="1" dirty="0" smtClean="0"/>
                         <a:t>$kitchen verify</a:t>
                       </a:r>
                     </a:p>
@@ -11488,7 +11453,7 @@
                         <a:defRPr/>
                       </a:pPr>
                       <a:r>
-                        <a:rPr lang="en-US" dirty="0" smtClean="0"/>
+                        <a:rPr lang="en-US" b="1" dirty="0" smtClean="0"/>
                         <a:t>$kitchen destroy</a:t>
                       </a:r>
                     </a:p>
@@ -11531,10 +11496,10 @@
                     <a:p>
                       <a:pPr algn="l"/>
                       <a:r>
-                        <a:rPr lang="en-US" dirty="0" smtClean="0"/>
+                        <a:rPr lang="en-US" b="1" dirty="0" smtClean="0"/>
                         <a:t>$kitchen test</a:t>
                       </a:r>
-                      <a:endParaRPr lang="en-US" dirty="0"/>
+                      <a:endParaRPr lang="en-US" b="1" dirty="0"/>
                     </a:p>
                   </a:txBody>
                   <a:tcPr>
@@ -12113,21 +12078,8 @@
                   <a:srgbClr val="000000"/>
                 </a:solidFill>
               </a:rPr>
-              <a:t> file, so it is whitespace and tab </a:t>
-            </a:r>
-            <a:r>
-              <a:rPr lang="en-US" sz="2800" dirty="0" smtClean="0">
-                <a:solidFill>
-                  <a:srgbClr val="000000"/>
-                </a:solidFill>
-              </a:rPr>
-              <a:t>sensitive</a:t>
-            </a:r>
-            <a:endParaRPr lang="en-US" sz="2800" dirty="0" smtClean="0">
-              <a:solidFill>
-                <a:srgbClr val="000000"/>
-              </a:solidFill>
-            </a:endParaRPr>
+              <a:t> file, so it is whitespace and tab sensitive</a:t>
+            </a:r>
           </a:p>
         </p:txBody>
       </p:sp>
@@ -13723,21 +13675,8 @@
                   <a:srgbClr val="000000"/>
                 </a:solidFill>
               </a:rPr>
-              <a:t>centos-</a:t>
-            </a:r>
-            <a:r>
-              <a:rPr lang="en-US" sz="2800" dirty="0" smtClean="0">
-                <a:solidFill>
-                  <a:srgbClr val="000000"/>
-                </a:solidFill>
-              </a:rPr>
-              <a:t>6.4</a:t>
-            </a:r>
-            <a:endParaRPr lang="en-US" sz="2800" dirty="0" smtClean="0">
-              <a:solidFill>
-                <a:srgbClr val="000000"/>
-              </a:solidFill>
-            </a:endParaRPr>
+              <a:t>centos-6.4</a:t>
+            </a:r>
           </a:p>
         </p:txBody>
       </p:sp>
@@ -14171,15 +14110,7 @@
                   <a:srgbClr val="000000"/>
                 </a:solidFill>
               </a:rPr>
-              <a:t> recipe in the apache </a:t>
-            </a:r>
-            <a:r>
-              <a:rPr lang="en-US" sz="2800" dirty="0" smtClean="0">
-                <a:solidFill>
-                  <a:srgbClr val="000000"/>
-                </a:solidFill>
-              </a:rPr>
-              <a:t>cookbook:</a:t>
+              <a:t> recipe in the apache cookbook:</a:t>
             </a:r>
             <a:endParaRPr lang="en-US" sz="2800" b="1" dirty="0" smtClean="0">
               <a:solidFill>
@@ -14731,15 +14662,7 @@
                   <a:srgbClr val="000000"/>
                 </a:solidFill>
               </a:rPr>
-              <a:t>&gt;</a:t>
-            </a:r>
-            <a:r>
-              <a:rPr lang="en-US" sz="2800" dirty="0" smtClean="0">
-                <a:solidFill>
-                  <a:srgbClr val="000000"/>
-                </a:solidFill>
-              </a:rPr>
-              <a:t>_</a:t>
+              <a:t>&gt;_</a:t>
             </a:r>
             <a:r>
               <a:rPr lang="en-US" sz="2800" dirty="0" err="1" smtClean="0">
@@ -14766,15 +14689,7 @@
                   <a:srgbClr val="000000"/>
                 </a:solidFill>
               </a:rPr>
-              <a:t>Example path: </a:t>
-            </a:r>
-            <a:r>
-              <a:rPr lang="en-US" sz="2800" dirty="0" smtClean="0">
-                <a:solidFill>
-                  <a:srgbClr val="000000"/>
-                </a:solidFill>
-              </a:rPr>
-              <a:t>(using the </a:t>
+              <a:t>Example path: (using the </a:t>
             </a:r>
             <a:r>
               <a:rPr lang="en-US" sz="2800" dirty="0" err="1" smtClean="0">
@@ -19227,7 +19142,7 @@
   <a:extraClrSchemeLst/>
   <a:extLst>
     <a:ext uri="{05A4C25C-085E-4340-85A3-A5531E510DB2}">
-      <thm15:themeFamily xmlns:thm15="http://schemas.microsoft.com/office/thememl/2012/main" xmlns="" name="Office Theme" id="{62F939B6-93AF-4DB8-9C6B-D6C7DFDC589F}" vid="{4A3C46E8-61CC-4603-A589-7422A47A8E4A}"/>
+      <thm15:themeFamily xmlns="" xmlns:thm15="http://schemas.microsoft.com/office/thememl/2012/main" name="Office Theme" id="{62F939B6-93AF-4DB8-9C6B-D6C7DFDC589F}" vid="{4A3C46E8-61CC-4603-A589-7422A47A8E4A}"/>
     </a:ext>
   </a:extLst>
 </a:theme>
@@ -19522,7 +19437,7 @@
   <a:extraClrSchemeLst/>
   <a:extLst>
     <a:ext uri="{05A4C25C-085E-4340-85A3-A5531E510DB2}">
-      <thm15:themeFamily xmlns="" xmlns:thm15="http://schemas.microsoft.com/office/thememl/2012/main" name="Office Theme" id="{62F939B6-93AF-4DB8-9C6B-D6C7DFDC589F}" vid="{4A3C46E8-61CC-4603-A589-7422A47A8E4A}"/>
+      <thm15:themeFamily xmlns:thm15="http://schemas.microsoft.com/office/thememl/2012/main" xmlns="" name="Office Theme" id="{62F939B6-93AF-4DB8-9C6B-D6C7DFDC589F}" vid="{4A3C46E8-61CC-4603-A589-7422A47A8E4A}"/>
     </a:ext>
   </a:extLst>
 </a:theme>

--- a/Complimentary Course Content/Module7/Lessons/Module7_Lesson6 Testing The Web Server Deployment.pptx
+++ b/Complimentary Course Content/Module7/Lessons/Module7_Lesson6 Testing The Web Server Deployment.pptx
@@ -135,7 +135,7 @@
   </p:defaultTextStyle>
   <p:extLst>
     <p:ext uri="{EFAFB233-063F-42B5-8137-9DF3F51BA10A}">
-      <p15:sldGuideLst xmlns:p15="http://schemas.microsoft.com/office/powerpoint/2012/main" xmlns="">
+      <p15:sldGuideLst xmlns="" xmlns:p15="http://schemas.microsoft.com/office/powerpoint/2012/main">
         <p15:guide id="1" orient="horz" pos="2184" userDrawn="1">
           <p15:clr>
             <a:srgbClr val="A4A3A4"/>
@@ -256,7 +256,7 @@
             <a:fld id="{49B60EF2-7028-489F-85D8-FE86CD7CF2A0}" type="datetimeFigureOut">
               <a:rPr lang="en-US" smtClean="0"/>
               <a:pPr/>
-              <a:t>6/30/16</a:t>
+              <a:t>7/11/16</a:t>
             </a:fld>
             <a:endParaRPr lang="en-US"/>
           </a:p>
@@ -3313,6 +3313,63 @@
           <a:bodyPr/>
           <a:lstStyle/>
           <a:p>
+            <a:pPr marL="0" indent="0">
+              <a:buFont typeface="Arial"/>
+              <a:buNone/>
+            </a:pPr>
+            <a:r>
+              <a:rPr lang="en-US" b="1" dirty="0" smtClean="0"/>
+              <a:t>Notes:</a:t>
+            </a:r>
+          </a:p>
+          <a:p>
+            <a:pPr marL="171450" indent="-171450">
+              <a:buFont typeface="Arial"/>
+              <a:buChar char="•"/>
+            </a:pPr>
+            <a:r>
+              <a:rPr lang="en-US" dirty="0" smtClean="0"/>
+              <a:t>The Module 7 Lesson</a:t>
+            </a:r>
+            <a:r>
+              <a:rPr lang="en-US" baseline="0" dirty="0" smtClean="0"/>
+              <a:t> 6 Lab should be completed at this time</a:t>
+            </a:r>
+            <a:endParaRPr lang="en-US" dirty="0" smtClean="0"/>
+          </a:p>
+          <a:p>
+            <a:pPr marL="628650" lvl="1" indent="-171450">
+              <a:buFont typeface="Arial"/>
+              <a:buChar char="•"/>
+            </a:pPr>
+            <a:r>
+              <a:rPr lang="en-US" dirty="0" smtClean="0"/>
+              <a:t>https://</a:t>
+            </a:r>
+            <a:r>
+              <a:rPr lang="en-US" dirty="0" err="1" smtClean="0"/>
+              <a:t>github.com</a:t>
+            </a:r>
+            <a:r>
+              <a:rPr lang="en-US" dirty="0" smtClean="0"/>
+              <a:t>/</a:t>
+            </a:r>
+            <a:r>
+              <a:rPr lang="en-US" dirty="0" err="1" smtClean="0"/>
+              <a:t>MSFTImagine</a:t>
+            </a:r>
+            <a:r>
+              <a:rPr lang="en-US" dirty="0" smtClean="0"/>
+              <a:t>/</a:t>
+            </a:r>
+            <a:r>
+              <a:rPr lang="en-US" dirty="0" err="1" smtClean="0"/>
+              <a:t>computerscience</a:t>
+            </a:r>
+            <a:r>
+              <a:rPr lang="en-US" dirty="0" smtClean="0"/>
+              <a:t>/tree/master/Complimentary%20Course%20Content/Module7/Labs</a:t>
+            </a:r>
             <a:endParaRPr lang="en-US" dirty="0"/>
           </a:p>
         </p:txBody>
@@ -4424,7 +4481,7 @@
             <a:fld id="{0459C166-16D3-4A25-A2F8-C51E0E346B22}" type="datetimeFigureOut">
               <a:rPr lang="en-US" smtClean="0"/>
               <a:pPr/>
-              <a:t>6/30/16</a:t>
+              <a:t>7/11/16</a:t>
             </a:fld>
             <a:endParaRPr lang="en-US"/>
           </a:p>
@@ -4793,7 +4850,7 @@
             <a:fld id="{0459C166-16D3-4A25-A2F8-C51E0E346B22}" type="datetimeFigureOut">
               <a:rPr lang="en-US" smtClean="0"/>
               <a:pPr/>
-              <a:t>6/30/16</a:t>
+              <a:t>7/11/16</a:t>
             </a:fld>
             <a:endParaRPr lang="en-US"/>
           </a:p>
@@ -4913,7 +4970,7 @@
             <a:fld id="{0459C166-16D3-4A25-A2F8-C51E0E346B22}" type="datetimeFigureOut">
               <a:rPr lang="en-US" smtClean="0"/>
               <a:pPr/>
-              <a:t>6/30/16</a:t>
+              <a:t>7/11/16</a:t>
             </a:fld>
             <a:endParaRPr lang="en-US"/>
           </a:p>
@@ -5085,7 +5142,7 @@
             <a:fld id="{0459C166-16D3-4A25-A2F8-C51E0E346B22}" type="datetimeFigureOut">
               <a:rPr lang="en-US" smtClean="0"/>
               <a:pPr/>
-              <a:t>6/30/16</a:t>
+              <a:t>7/11/16</a:t>
             </a:fld>
             <a:endParaRPr lang="en-US"/>
           </a:p>
@@ -5351,7 +5408,7 @@
             <a:fld id="{0459C166-16D3-4A25-A2F8-C51E0E346B22}" type="datetimeFigureOut">
               <a:rPr lang="en-US" smtClean="0"/>
               <a:pPr/>
-              <a:t>6/30/16</a:t>
+              <a:t>7/11/16</a:t>
             </a:fld>
             <a:endParaRPr lang="en-US"/>
           </a:p>
@@ -5671,7 +5728,7 @@
             <a:fld id="{0459C166-16D3-4A25-A2F8-C51E0E346B22}" type="datetimeFigureOut">
               <a:rPr lang="en-US" smtClean="0"/>
               <a:pPr/>
-              <a:t>6/30/16</a:t>
+              <a:t>7/11/16</a:t>
             </a:fld>
             <a:endParaRPr lang="en-US"/>
           </a:p>
@@ -6070,7 +6127,7 @@
             <a:fld id="{0459C166-16D3-4A25-A2F8-C51E0E346B22}" type="datetimeFigureOut">
               <a:rPr lang="en-US" smtClean="0"/>
               <a:pPr/>
-              <a:t>6/30/16</a:t>
+              <a:t>7/11/16</a:t>
             </a:fld>
             <a:endParaRPr lang="en-US"/>
           </a:p>
@@ -7042,7 +7099,7 @@
             <a:fld id="{0459C166-16D3-4A25-A2F8-C51E0E346B22}" type="datetimeFigureOut">
               <a:rPr lang="en-US" smtClean="0"/>
               <a:pPr/>
-              <a:t>6/30/16</a:t>
+              <a:t>7/11/16</a:t>
             </a:fld>
             <a:endParaRPr lang="en-US"/>
           </a:p>
@@ -7256,7 +7313,7 @@
             <a:fld id="{0459C166-16D3-4A25-A2F8-C51E0E346B22}" type="datetimeFigureOut">
               <a:rPr lang="en-US" smtClean="0"/>
               <a:pPr/>
-              <a:t>6/30/16</a:t>
+              <a:t>7/11/16</a:t>
             </a:fld>
             <a:endParaRPr lang="en-US"/>
           </a:p>
@@ -11071,14 +11128,14 @@
                 <a:gridCol w="3792971">
                   <a:extLst>
                     <a:ext uri="{9D8B030D-6E8A-4147-A177-3AD203B41FA5}">
-                      <a16:colId xmlns="" xmlns:a16="http://schemas.microsoft.com/office/drawing/2014/main" val="48614039"/>
+                      <a16:colId xmlns:a16="http://schemas.microsoft.com/office/drawing/2014/main" xmlns="" val="48614039"/>
                     </a:ext>
                   </a:extLst>
                 </a:gridCol>
                 <a:gridCol w="6281571">
                   <a:extLst>
                     <a:ext uri="{9D8B030D-6E8A-4147-A177-3AD203B41FA5}">
-                      <a16:colId xmlns="" xmlns:a16="http://schemas.microsoft.com/office/drawing/2014/main" val="1124546490"/>
+                      <a16:colId xmlns:a16="http://schemas.microsoft.com/office/drawing/2014/main" xmlns="" val="1124546490"/>
                     </a:ext>
                   </a:extLst>
                 </a:gridCol>
@@ -11140,7 +11197,7 @@
                 </a:tc>
                 <a:extLst>
                   <a:ext uri="{0D108BD9-81ED-4DB2-BD59-A6C34878D82A}">
-                    <a16:rowId xmlns="" xmlns:a16="http://schemas.microsoft.com/office/drawing/2014/main" val="679667022"/>
+                    <a16:rowId xmlns:a16="http://schemas.microsoft.com/office/drawing/2014/main" xmlns="" val="679667022"/>
                   </a:ext>
                 </a:extLst>
               </a:tr>
@@ -11205,7 +11262,7 @@
                 </a:tc>
                 <a:extLst>
                   <a:ext uri="{0D108BD9-81ED-4DB2-BD59-A6C34878D82A}">
-                    <a16:rowId xmlns="" xmlns:a16="http://schemas.microsoft.com/office/drawing/2014/main" val="2034482246"/>
+                    <a16:rowId xmlns:a16="http://schemas.microsoft.com/office/drawing/2014/main" xmlns="" val="2034482246"/>
                   </a:ext>
                 </a:extLst>
               </a:tr>
@@ -11268,7 +11325,7 @@
                 </a:tc>
                 <a:extLst>
                   <a:ext uri="{0D108BD9-81ED-4DB2-BD59-A6C34878D82A}">
-                    <a16:rowId xmlns="" xmlns:a16="http://schemas.microsoft.com/office/drawing/2014/main" val="682465758"/>
+                    <a16:rowId xmlns:a16="http://schemas.microsoft.com/office/drawing/2014/main" xmlns="" val="682465758"/>
                   </a:ext>
                 </a:extLst>
               </a:tr>
@@ -11317,7 +11374,7 @@
                 </a:tc>
                 <a:extLst>
                   <a:ext uri="{0D108BD9-81ED-4DB2-BD59-A6C34878D82A}">
-                    <a16:rowId xmlns="" xmlns:a16="http://schemas.microsoft.com/office/drawing/2014/main" val="4230228483"/>
+                    <a16:rowId xmlns:a16="http://schemas.microsoft.com/office/drawing/2014/main" xmlns="" val="4230228483"/>
                   </a:ext>
                 </a:extLst>
               </a:tr>
@@ -11366,7 +11423,7 @@
                 </a:tc>
                 <a:extLst>
                   <a:ext uri="{0D108BD9-81ED-4DB2-BD59-A6C34878D82A}">
-                    <a16:rowId xmlns="" xmlns:a16="http://schemas.microsoft.com/office/drawing/2014/main" val="3329658239"/>
+                    <a16:rowId xmlns:a16="http://schemas.microsoft.com/office/drawing/2014/main" xmlns="" val="3329658239"/>
                   </a:ext>
                 </a:extLst>
               </a:tr>
@@ -19142,7 +19199,7 @@
   <a:extraClrSchemeLst/>
   <a:extLst>
     <a:ext uri="{05A4C25C-085E-4340-85A3-A5531E510DB2}">
-      <thm15:themeFamily xmlns="" xmlns:thm15="http://schemas.microsoft.com/office/thememl/2012/main" name="Office Theme" id="{62F939B6-93AF-4DB8-9C6B-D6C7DFDC589F}" vid="{4A3C46E8-61CC-4603-A589-7422A47A8E4A}"/>
+      <thm15:themeFamily xmlns:thm15="http://schemas.microsoft.com/office/thememl/2012/main" xmlns="" name="Office Theme" id="{62F939B6-93AF-4DB8-9C6B-D6C7DFDC589F}" vid="{4A3C46E8-61CC-4603-A589-7422A47A8E4A}"/>
     </a:ext>
   </a:extLst>
 </a:theme>
@@ -19437,7 +19494,7 @@
   <a:extraClrSchemeLst/>
   <a:extLst>
     <a:ext uri="{05A4C25C-085E-4340-85A3-A5531E510DB2}">
-      <thm15:themeFamily xmlns:thm15="http://schemas.microsoft.com/office/thememl/2012/main" xmlns="" name="Office Theme" id="{62F939B6-93AF-4DB8-9C6B-D6C7DFDC589F}" vid="{4A3C46E8-61CC-4603-A589-7422A47A8E4A}"/>
+      <thm15:themeFamily xmlns="" xmlns:thm15="http://schemas.microsoft.com/office/thememl/2012/main" name="Office Theme" id="{62F939B6-93AF-4DB8-9C6B-D6C7DFDC589F}" vid="{4A3C46E8-61CC-4603-A589-7422A47A8E4A}"/>
     </a:ext>
   </a:extLst>
 </a:theme>

--- a/Complimentary Course Content/Module7/Lessons/Module7_Lesson6 Testing The Web Server Deployment.pptx
+++ b/Complimentary Course Content/Module7/Lessons/Module7_Lesson6 Testing The Web Server Deployment.pptx
@@ -135,7 +135,7 @@
   </p:defaultTextStyle>
   <p:extLst>
     <p:ext uri="{EFAFB233-063F-42B5-8137-9DF3F51BA10A}">
-      <p15:sldGuideLst xmlns="" xmlns:p15="http://schemas.microsoft.com/office/powerpoint/2012/main">
+      <p15:sldGuideLst xmlns:p15="http://schemas.microsoft.com/office/powerpoint/2012/main" xmlns="">
         <p15:guide id="1" orient="horz" pos="2184" userDrawn="1">
           <p15:clr>
             <a:srgbClr val="A4A3A4"/>
@@ -256,7 +256,7 @@
             <a:fld id="{49B60EF2-7028-489F-85D8-FE86CD7CF2A0}" type="datetimeFigureOut">
               <a:rPr lang="en-US" smtClean="0"/>
               <a:pPr/>
-              <a:t>7/11/16</a:t>
+              <a:t>7/14/16</a:t>
             </a:fld>
             <a:endParaRPr lang="en-US"/>
           </a:p>
@@ -1472,7 +1472,98 @@
             </a:pPr>
             <a:r>
               <a:rPr lang="en-US" b="1" dirty="0" smtClean="0"/>
-              <a:t>References:</a:t>
+              <a:t>Notes:</a:t>
+            </a:r>
+            <a:endParaRPr lang="en-US" b="0" dirty="0" smtClean="0"/>
+          </a:p>
+          <a:p>
+            <a:pPr marL="0" marR="0" lvl="0" indent="0" algn="l" defTabSz="914400" rtl="0" eaLnBrk="1" fontAlgn="auto" latinLnBrk="0" hangingPunct="1">
+              <a:lnSpc>
+                <a:spcPct val="100000"/>
+              </a:lnSpc>
+              <a:spcBef>
+                <a:spcPts val="0"/>
+              </a:spcBef>
+              <a:spcAft>
+                <a:spcPts val="0"/>
+              </a:spcAft>
+              <a:buClrTx/>
+              <a:buSzTx/>
+              <a:buFont typeface="Arial" pitchFamily="34" charset="0"/>
+              <a:buChar char="•"/>
+              <a:tabLst/>
+              <a:defRPr/>
+            </a:pPr>
+            <a:r>
+              <a:rPr lang="en-US" sz="1200" dirty="0" smtClean="0">
+                <a:solidFill>
+                  <a:srgbClr val="000000"/>
+                </a:solidFill>
+              </a:rPr>
+              <a:t> Test</a:t>
+            </a:r>
+            <a:r>
+              <a:rPr lang="en-US" sz="1200" baseline="0" dirty="0" smtClean="0">
+                <a:solidFill>
+                  <a:srgbClr val="000000"/>
+                </a:solidFill>
+              </a:rPr>
+              <a:t> Kitchen</a:t>
+            </a:r>
+            <a:r>
+              <a:rPr lang="en-US" sz="1200" dirty="0" smtClean="0">
+                <a:solidFill>
+                  <a:srgbClr val="000000"/>
+                </a:solidFill>
+              </a:rPr>
+              <a:t> creates virtual environments that can be set up, tests can be run within them, and then they can be destroyed, freeing up resources on the machine.</a:t>
+            </a:r>
+          </a:p>
+          <a:p>
+            <a:pPr marL="0" marR="0" lvl="0" indent="0" algn="l" defTabSz="914400" rtl="0" eaLnBrk="1" fontAlgn="auto" latinLnBrk="0" hangingPunct="1">
+              <a:lnSpc>
+                <a:spcPct val="100000"/>
+              </a:lnSpc>
+              <a:spcBef>
+                <a:spcPts val="0"/>
+              </a:spcBef>
+              <a:spcAft>
+                <a:spcPts val="0"/>
+              </a:spcAft>
+              <a:buClrTx/>
+              <a:buSzTx/>
+              <a:buFontTx/>
+              <a:buNone/>
+              <a:tabLst/>
+              <a:defRPr/>
+            </a:pPr>
+            <a:endParaRPr lang="en-US" b="1" dirty="0" smtClean="0"/>
+          </a:p>
+          <a:p>
+            <a:pPr marL="0" marR="0" lvl="0" indent="0" algn="l" defTabSz="914400" rtl="0" eaLnBrk="1" fontAlgn="auto" latinLnBrk="0" hangingPunct="1">
+              <a:lnSpc>
+                <a:spcPct val="100000"/>
+              </a:lnSpc>
+              <a:spcBef>
+                <a:spcPts val="0"/>
+              </a:spcBef>
+              <a:spcAft>
+                <a:spcPts val="0"/>
+              </a:spcAft>
+              <a:buClrTx/>
+              <a:buSzTx/>
+              <a:buFontTx/>
+              <a:buNone/>
+              <a:tabLst/>
+              <a:defRPr/>
+            </a:pPr>
+            <a:r>
+              <a:rPr lang="en-US" b="1" dirty="0" smtClean="0"/>
+              <a:t>References</a:t>
+            </a:r>
+            <a:r>
+              <a:rPr lang="en-US" b="1" dirty="0" smtClean="0"/>
+              <a:t>:</a:t>
             </a:r>
           </a:p>
           <a:p>
@@ -1662,11 +1753,11 @@
             </a:pPr>
             <a:r>
               <a:rPr lang="en-US" b="0" dirty="0" smtClean="0"/>
-              <a:t>kitchen test starts with a destroy</a:t>
+              <a:t>The kitchen test starts with a destroy</a:t>
             </a:r>
             <a:r>
               <a:rPr lang="en-US" b="0" baseline="0" dirty="0" smtClean="0"/>
-              <a:t> to make sure an existing kitchen doesn’t exist</a:t>
+              <a:t> to make sure an existing kitchen doesn’t exist.</a:t>
             </a:r>
           </a:p>
           <a:p>
@@ -1792,6 +1883,62 @@
               <a:tabLst/>
               <a:defRPr/>
             </a:pPr>
+            <a:r>
+              <a:rPr lang="en-US" b="1" dirty="0" smtClean="0"/>
+              <a:t>Notes:</a:t>
+            </a:r>
+            <a:endParaRPr lang="en-US" b="0" dirty="0" smtClean="0"/>
+          </a:p>
+          <a:p>
+            <a:pPr marL="0" marR="0" lvl="0" indent="0" algn="l" defTabSz="914400" rtl="0" eaLnBrk="1" fontAlgn="auto" latinLnBrk="0" hangingPunct="1">
+              <a:lnSpc>
+                <a:spcPct val="100000"/>
+              </a:lnSpc>
+              <a:spcBef>
+                <a:spcPts val="0"/>
+              </a:spcBef>
+              <a:spcAft>
+                <a:spcPts val="0"/>
+              </a:spcAft>
+              <a:buClrTx/>
+              <a:buSzTx/>
+              <a:buFont typeface="Arial" pitchFamily="34" charset="0"/>
+              <a:buChar char="•"/>
+              <a:tabLst/>
+              <a:defRPr/>
+            </a:pPr>
+            <a:r>
+              <a:rPr lang="en-US" b="0" baseline="0" dirty="0" smtClean="0"/>
+              <a:t> Use </a:t>
+            </a:r>
+            <a:r>
+              <a:rPr lang="en-US" b="0" baseline="0" dirty="0" err="1" smtClean="0"/>
+              <a:t>ls</a:t>
+            </a:r>
+            <a:r>
+              <a:rPr lang="en-US" b="0" baseline="0" dirty="0" smtClean="0"/>
+              <a:t> –a to view hidden files in Linux and Unix.</a:t>
+            </a:r>
+            <a:endParaRPr lang="en-US" b="1" dirty="0" smtClean="0"/>
+          </a:p>
+          <a:p>
+            <a:pPr marL="0" marR="0" lvl="0" indent="0" algn="l" defTabSz="914400" rtl="0" eaLnBrk="1" fontAlgn="auto" latinLnBrk="0" hangingPunct="1">
+              <a:lnSpc>
+                <a:spcPct val="100000"/>
+              </a:lnSpc>
+              <a:spcBef>
+                <a:spcPts val="0"/>
+              </a:spcBef>
+              <a:spcAft>
+                <a:spcPts val="0"/>
+              </a:spcAft>
+              <a:buClrTx/>
+              <a:buSzTx/>
+              <a:buFontTx/>
+              <a:buNone/>
+              <a:tabLst/>
+              <a:defRPr/>
+            </a:pPr>
             <a:endParaRPr lang="en-US" b="1" dirty="0"/>
           </a:p>
         </p:txBody>
@@ -1952,28 +2099,13 @@
             </a:r>
             <a:r>
               <a:rPr lang="en-US" b="0" baseline="0" dirty="0" smtClean="0"/>
-              <a:t> (to start an Azure VM)</a:t>
-            </a:r>
-          </a:p>
-          <a:p>
-            <a:pPr marL="0" marR="0" lvl="0" indent="0" algn="l" defTabSz="914400" rtl="0" eaLnBrk="1" fontAlgn="auto" latinLnBrk="0" hangingPunct="1">
-              <a:lnSpc>
-                <a:spcPct val="100000"/>
-              </a:lnSpc>
-              <a:spcBef>
-                <a:spcPts val="0"/>
-              </a:spcBef>
-              <a:spcAft>
-                <a:spcPts val="0"/>
-              </a:spcAft>
-              <a:buClrTx/>
-              <a:buSzTx/>
-              <a:buFont typeface="+mj-lt"/>
-              <a:buNone/>
-              <a:tabLst/>
-              <a:defRPr/>
-            </a:pPr>
-            <a:endParaRPr lang="en-US" b="1" dirty="0"/>
+              <a:t> (to start an Azure VM</a:t>
+            </a:r>
+            <a:r>
+              <a:rPr lang="en-US" b="0" baseline="0" dirty="0" smtClean="0"/>
+              <a:t>)</a:t>
+            </a:r>
+            <a:endParaRPr lang="en-US" b="0" baseline="0" dirty="0" smtClean="0"/>
           </a:p>
         </p:txBody>
       </p:sp>
@@ -2314,12 +2446,8 @@
               <a:defRPr/>
             </a:pPr>
             <a:r>
-              <a:rPr lang="en-US" b="0" dirty="0" smtClean="0"/>
-              <a:t>If you have</a:t>
-            </a:r>
-            <a:r>
               <a:rPr lang="en-US" b="0" baseline="0" dirty="0" smtClean="0"/>
-              <a:t> 3 tests across 4 platforms, you are requesting that 12 kitchens are created (3 * 4).</a:t>
+              <a:t>To run 3 tests across 4 platforms, 12 kitchens are created (3 * 4).</a:t>
             </a:r>
           </a:p>
           <a:p>
@@ -2342,7 +2470,7 @@
             </a:pPr>
             <a:r>
               <a:rPr lang="en-US" b="0" baseline="0" dirty="0" smtClean="0"/>
-              <a:t>‘$kitchen list’  will show the matrix of tests and the platforms on which they will run</a:t>
+              <a:t>‘$kitchen list’  will show the matrix of tests and the platforms on which they will run.</a:t>
             </a:r>
           </a:p>
           <a:p>
@@ -2389,7 +2517,7 @@
             </a:r>
             <a:r>
               <a:rPr lang="en-US" b="0" baseline="0" dirty="0" smtClean="0"/>
-              <a:t> 6.4 instead.  If you need to test on </a:t>
+              <a:t> 6.4 instead.  If it necessary to test on </a:t>
             </a:r>
             <a:r>
               <a:rPr lang="en-US" b="0" baseline="0" dirty="0" err="1" smtClean="0"/>
@@ -2909,7 +3037,35 @@
             </a:pPr>
             <a:r>
               <a:rPr lang="en-US" b="0" baseline="0" dirty="0" smtClean="0"/>
-              <a:t>The final test, “displays home page” test that if we execute a curl command we’ll get content and within that content we’ll find the word ‘Hello’.  Note there are no quotes in the test.  If we used quotes it would have match exactly the word ‘Hello’, no more no less.  But if you just want to make sure that the word ‘Hello’ is somewhere in the content, use the /Hello/ notation.</a:t>
+              <a:t>The final test, “displays home page” test that if we execute a curl command we’ll get content and within that content we’ll find the word ‘Hello’.  </a:t>
+            </a:r>
+            <a:endParaRPr lang="en-US" b="0" baseline="0" dirty="0" smtClean="0"/>
+          </a:p>
+          <a:p>
+            <a:pPr marL="228600" marR="0" lvl="0" indent="-228600" algn="l" defTabSz="914400" rtl="0" eaLnBrk="1" fontAlgn="auto" latinLnBrk="0" hangingPunct="1">
+              <a:lnSpc>
+                <a:spcPct val="100000"/>
+              </a:lnSpc>
+              <a:spcBef>
+                <a:spcPts val="0"/>
+              </a:spcBef>
+              <a:spcAft>
+                <a:spcPts val="0"/>
+              </a:spcAft>
+              <a:buClrTx/>
+              <a:buSzTx/>
+              <a:buFont typeface="Arial"/>
+              <a:buChar char="•"/>
+              <a:tabLst/>
+              <a:defRPr/>
+            </a:pPr>
+            <a:r>
+              <a:rPr lang="en-US" b="0" baseline="0" dirty="0" smtClean="0"/>
+              <a:t>Note </a:t>
+            </a:r>
+            <a:r>
+              <a:rPr lang="en-US" b="0" baseline="0" dirty="0" smtClean="0"/>
+              <a:t>there are no quotes in the test.  If we used quotes it would have match exactly the word ‘Hello’, no more no less.  But if you just want to make sure that the word ‘Hello’ is somewhere in the content, use the /Hello/ notation.</a:t>
             </a:r>
           </a:p>
           <a:p>
@@ -3061,7 +3217,7 @@
             </a:pPr>
             <a:r>
               <a:rPr lang="en-US" b="0" dirty="0" smtClean="0"/>
-              <a:t>You can demo this one at</a:t>
+              <a:t>This can be demonstrated one command at</a:t>
             </a:r>
             <a:r>
               <a:rPr lang="en-US" b="0" baseline="0" dirty="0" smtClean="0"/>
@@ -3119,7 +3275,7 @@
             </a:pPr>
             <a:r>
               <a:rPr lang="en-US" b="0" baseline="0" dirty="0" smtClean="0"/>
-              <a:t>$kitchen converge (installs chef, copies the cookbook over, runs the recipes)</a:t>
+              <a:t>$kitchen converge (installs Chef, copies the cookbook over, runs the recipes)</a:t>
             </a:r>
           </a:p>
           <a:p>
@@ -3188,11 +3344,12 @@
             </a:pPr>
             <a:r>
               <a:rPr lang="en-US" b="0" baseline="0" dirty="0" smtClean="0"/>
-              <a:t>Since $kitchen test takes the most amount of time, you can also just run kitchen verify, fix any broken code, and run $kitchen converge and $kitchen verify again.  This will be the quickest because we don’t need to destroy and create the environment.  BUT, once you get the code working you should run a complete $kitchen test to ensure that it works in a new environment with no hidden dependencies you may have created along the way.</a:t>
-            </a:r>
-          </a:p>
-          <a:p>
-            <a:pPr marL="228600" marR="0" lvl="0" indent="-228600" algn="l" defTabSz="914400" rtl="0" eaLnBrk="1" fontAlgn="auto" latinLnBrk="0" hangingPunct="1">
+              <a:t>Since $kitchen test takes the most amount of time, it is possible to just run kitchen verify, fix any broken code, and run $kitchen converge and $kitchen verify again.  This will be the quickest because it is not necessary to destroy and create the environment.  However, once the code is working, a complete $kitchen test should be run to ensure that it works in a new environment with no hidden dependencies that may have been created along the way.</a:t>
+            </a:r>
+            <a:endParaRPr lang="en-US" b="1" baseline="0" dirty="0" smtClean="0"/>
+          </a:p>
+          <a:p>
+            <a:pPr marL="457200" marR="0" lvl="1" indent="0" algn="l" defTabSz="914400" rtl="0" eaLnBrk="1" fontAlgn="auto" latinLnBrk="0" hangingPunct="1">
               <a:lnSpc>
                 <a:spcPct val="100000"/>
               </a:lnSpc>
@@ -3205,27 +3362,7 @@
               <a:buClrTx/>
               <a:buSzTx/>
               <a:buFont typeface="+mj-lt"/>
-              <a:buAutoNum type="arabicPeriod"/>
-              <a:tabLst/>
-              <a:defRPr/>
-            </a:pPr>
-            <a:endParaRPr lang="en-US" b="1" baseline="0" dirty="0" smtClean="0"/>
-          </a:p>
-          <a:p>
-            <a:pPr marL="685800" marR="0" lvl="1" indent="-228600" algn="l" defTabSz="914400" rtl="0" eaLnBrk="1" fontAlgn="auto" latinLnBrk="0" hangingPunct="1">
-              <a:lnSpc>
-                <a:spcPct val="100000"/>
-              </a:lnSpc>
-              <a:spcBef>
-                <a:spcPts val="0"/>
-              </a:spcBef>
-              <a:spcAft>
-                <a:spcPts val="0"/>
-              </a:spcAft>
-              <a:buClrTx/>
-              <a:buSzTx/>
-              <a:buFont typeface="+mj-lt"/>
-              <a:buAutoNum type="arabicPeriod"/>
+              <a:buNone/>
               <a:tabLst/>
               <a:defRPr/>
             </a:pPr>
@@ -3597,11 +3734,11 @@
             </a:pPr>
             <a:r>
               <a:rPr lang="en-US" b="0" dirty="0" smtClean="0"/>
-              <a:t>We will</a:t>
+              <a:t>Descriptions will be provided for </a:t>
             </a:r>
             <a:r>
               <a:rPr lang="en-US" b="0" baseline="0" dirty="0" smtClean="0"/>
-              <a:t> describe all the different types of testing listed here, but we will only go in depth on Integration testing, including a lab</a:t>
+              <a:t>all the different types of testing listed here, but this lesson will only go in depth on Integration testing, including a lab</a:t>
             </a:r>
             <a:endParaRPr lang="en-US" b="0" dirty="0"/>
           </a:p>
@@ -3985,11 +4122,11 @@
             </a:pPr>
             <a:r>
               <a:rPr lang="en-US" b="0" dirty="0" smtClean="0"/>
-              <a:t>We will be implementing integration testing</a:t>
+              <a:t>Integration testing</a:t>
             </a:r>
             <a:r>
               <a:rPr lang="en-US" b="0" baseline="0" dirty="0" smtClean="0"/>
-              <a:t> later in this module</a:t>
+              <a:t> will be implemented later in this lesson.</a:t>
             </a:r>
           </a:p>
           <a:p>
@@ -4012,8 +4149,33 @@
             </a:pPr>
             <a:r>
               <a:rPr lang="en-US" b="0" baseline="0" dirty="0" smtClean="0"/>
-              <a:t>Typically integration testing in DevOps is run on a separate device, like a Docker container, Vagrant VM or a cloud-based VM such as an Azure Virtual Machine.  We’ll be using Docker for our lab.</a:t>
-            </a:r>
+              <a:t>Typically, integration testing in </a:t>
+            </a:r>
+            <a:r>
+              <a:rPr lang="en-US" b="0" baseline="0" dirty="0" err="1" smtClean="0"/>
+              <a:t>DevOps</a:t>
+            </a:r>
+            <a:r>
+              <a:rPr lang="en-US" b="0" baseline="0" dirty="0" smtClean="0"/>
+              <a:t> is run on a separate device, like a </a:t>
+            </a:r>
+            <a:r>
+              <a:rPr lang="en-US" b="0" baseline="0" dirty="0" err="1" smtClean="0"/>
+              <a:t>Docker</a:t>
+            </a:r>
+            <a:r>
+              <a:rPr lang="en-US" b="0" baseline="0" dirty="0" smtClean="0"/>
+              <a:t> container, Vagrant VM, or a cloud-based VM such as an Azure Virtual Machine.  The lab for this lesson uses </a:t>
+            </a:r>
+            <a:r>
+              <a:rPr lang="en-US" b="0" baseline="0" dirty="0" err="1" smtClean="0"/>
+              <a:t>Docker</a:t>
+            </a:r>
+            <a:r>
+              <a:rPr lang="en-US" b="0" baseline="0" dirty="0" smtClean="0"/>
+              <a:t>.</a:t>
+            </a:r>
+            <a:endParaRPr lang="en-US" b="0" baseline="0" dirty="0" smtClean="0"/>
           </a:p>
         </p:txBody>
       </p:sp>
@@ -4139,7 +4301,38 @@
             </a:pPr>
             <a:r>
               <a:rPr lang="en-US" b="0" baseline="0" dirty="0" smtClean="0"/>
-              <a:t>Test kitchen creates the virtual environment so you can test your code and if the test causes damage to the virtual server, simply destroy the environment, fix the code and try again, without ever harming your actual production server.  This is big time-saver.</a:t>
+              <a:t>Test kitchen creates the virtual environment so you can test your code </a:t>
+            </a:r>
+            <a:r>
+              <a:rPr lang="en-US" b="0" baseline="0" dirty="0" smtClean="0"/>
+              <a:t>and </a:t>
+            </a:r>
+          </a:p>
+          <a:p>
+            <a:pPr marL="228600" marR="0" lvl="0" indent="-228600" algn="l" defTabSz="914400" rtl="0" eaLnBrk="1" fontAlgn="auto" latinLnBrk="0" hangingPunct="1">
+              <a:lnSpc>
+                <a:spcPct val="100000"/>
+              </a:lnSpc>
+              <a:spcBef>
+                <a:spcPts val="0"/>
+              </a:spcBef>
+              <a:spcAft>
+                <a:spcPts val="0"/>
+              </a:spcAft>
+              <a:buClrTx/>
+              <a:buSzTx/>
+              <a:buFont typeface="Arial"/>
+              <a:buChar char="•"/>
+              <a:tabLst/>
+              <a:defRPr/>
+            </a:pPr>
+            <a:r>
+              <a:rPr lang="en-US" b="0" baseline="0" dirty="0" smtClean="0"/>
+              <a:t>If </a:t>
+            </a:r>
+            <a:r>
+              <a:rPr lang="en-US" b="0" baseline="0" dirty="0" smtClean="0"/>
+              <a:t>the test causes damage to the virtual server, simply destroy the environment, fix the code and try again, without ever harming your actual production server.  This is big time-saver.</a:t>
             </a:r>
           </a:p>
           <a:p>
@@ -4481,7 +4674,7 @@
             <a:fld id="{0459C166-16D3-4A25-A2F8-C51E0E346B22}" type="datetimeFigureOut">
               <a:rPr lang="en-US" smtClean="0"/>
               <a:pPr/>
-              <a:t>7/11/16</a:t>
+              <a:t>7/14/16</a:t>
             </a:fld>
             <a:endParaRPr lang="en-US"/>
           </a:p>
@@ -4850,7 +5043,7 @@
             <a:fld id="{0459C166-16D3-4A25-A2F8-C51E0E346B22}" type="datetimeFigureOut">
               <a:rPr lang="en-US" smtClean="0"/>
               <a:pPr/>
-              <a:t>7/11/16</a:t>
+              <a:t>7/14/16</a:t>
             </a:fld>
             <a:endParaRPr lang="en-US"/>
           </a:p>
@@ -4970,7 +5163,7 @@
             <a:fld id="{0459C166-16D3-4A25-A2F8-C51E0E346B22}" type="datetimeFigureOut">
               <a:rPr lang="en-US" smtClean="0"/>
               <a:pPr/>
-              <a:t>7/11/16</a:t>
+              <a:t>7/14/16</a:t>
             </a:fld>
             <a:endParaRPr lang="en-US"/>
           </a:p>
@@ -5142,7 +5335,7 @@
             <a:fld id="{0459C166-16D3-4A25-A2F8-C51E0E346B22}" type="datetimeFigureOut">
               <a:rPr lang="en-US" smtClean="0"/>
               <a:pPr/>
-              <a:t>7/11/16</a:t>
+              <a:t>7/14/16</a:t>
             </a:fld>
             <a:endParaRPr lang="en-US"/>
           </a:p>
@@ -5408,7 +5601,7 @@
             <a:fld id="{0459C166-16D3-4A25-A2F8-C51E0E346B22}" type="datetimeFigureOut">
               <a:rPr lang="en-US" smtClean="0"/>
               <a:pPr/>
-              <a:t>7/11/16</a:t>
+              <a:t>7/14/16</a:t>
             </a:fld>
             <a:endParaRPr lang="en-US"/>
           </a:p>
@@ -5728,7 +5921,7 @@
             <a:fld id="{0459C166-16D3-4A25-A2F8-C51E0E346B22}" type="datetimeFigureOut">
               <a:rPr lang="en-US" smtClean="0"/>
               <a:pPr/>
-              <a:t>7/11/16</a:t>
+              <a:t>7/14/16</a:t>
             </a:fld>
             <a:endParaRPr lang="en-US"/>
           </a:p>
@@ -6127,7 +6320,7 @@
             <a:fld id="{0459C166-16D3-4A25-A2F8-C51E0E346B22}" type="datetimeFigureOut">
               <a:rPr lang="en-US" smtClean="0"/>
               <a:pPr/>
-              <a:t>7/11/16</a:t>
+              <a:t>7/14/16</a:t>
             </a:fld>
             <a:endParaRPr lang="en-US"/>
           </a:p>
@@ -7099,7 +7292,7 @@
             <a:fld id="{0459C166-16D3-4A25-A2F8-C51E0E346B22}" type="datetimeFigureOut">
               <a:rPr lang="en-US" smtClean="0"/>
               <a:pPr/>
-              <a:t>7/11/16</a:t>
+              <a:t>7/14/16</a:t>
             </a:fld>
             <a:endParaRPr lang="en-US"/>
           </a:p>
@@ -7313,7 +7506,7 @@
             <a:fld id="{0459C166-16D3-4A25-A2F8-C51E0E346B22}" type="datetimeFigureOut">
               <a:rPr lang="en-US" smtClean="0"/>
               <a:pPr/>
-              <a:t>7/11/16</a:t>
+              <a:t>7/14/16</a:t>
             </a:fld>
             <a:endParaRPr lang="en-US"/>
           </a:p>
@@ -9777,8 +9970,21 @@
                   <a:srgbClr val="000000"/>
                 </a:solidFill>
               </a:rPr>
-              <a:t>User Acceptance Testing is usually how an external or internal customer verifies that the product works as they expect it to</a:t>
-            </a:r>
+              <a:t>User Acceptance Testing is usually how an external or internal customer verifies that the product works as </a:t>
+            </a:r>
+            <a:r>
+              <a:rPr lang="en-US" sz="2800" dirty="0" smtClean="0">
+                <a:solidFill>
+                  <a:srgbClr val="000000"/>
+                </a:solidFill>
+              </a:rPr>
+              <a:t>expected</a:t>
+            </a:r>
+            <a:endParaRPr lang="en-US" sz="2800" dirty="0" smtClean="0">
+              <a:solidFill>
+                <a:srgbClr val="000000"/>
+              </a:solidFill>
+            </a:endParaRPr>
           </a:p>
           <a:p>
             <a:pPr marL="1022350" lvl="1" indent="-334963">
@@ -9791,7 +9997,15 @@
                   <a:srgbClr val="000000"/>
                 </a:solidFill>
               </a:rPr>
-              <a:t>This is often the last phase of testing</a:t>
+              <a:t>Often </a:t>
+            </a:r>
+            <a:r>
+              <a:rPr lang="en-US" sz="2800" dirty="0" smtClean="0">
+                <a:solidFill>
+                  <a:srgbClr val="000000"/>
+                </a:solidFill>
+              </a:rPr>
+              <a:t>the last phase of testing</a:t>
             </a:r>
           </a:p>
           <a:p>
@@ -10740,21 +10954,15 @@
                   <a:srgbClr val="000000"/>
                 </a:solidFill>
               </a:rPr>
-              <a:t>It creates a virtual environments that can be set up, tests can be run within them, and then they can be destroyed, freeing up resources on the machine</a:t>
-            </a:r>
-          </a:p>
-          <a:p>
-            <a:pPr marL="1022350" lvl="1" indent="-334963">
-              <a:buFont typeface="Wingdings" charset="2"/>
-              <a:buChar char="§"/>
-            </a:pPr>
+              <a:t>Can </a:t>
+            </a:r>
             <a:r>
               <a:rPr lang="en-US" sz="2800" dirty="0" smtClean="0">
                 <a:solidFill>
                   <a:srgbClr val="000000"/>
                 </a:solidFill>
               </a:rPr>
-              <a:t>Can run tests on multiple OS platforms and versions simultaneously</a:t>
+              <a:t>run tests on multiple OS platforms and versions simultaneously</a:t>
             </a:r>
           </a:p>
           <a:p>
@@ -11128,14 +11336,14 @@
                 <a:gridCol w="3792971">
                   <a:extLst>
                     <a:ext uri="{9D8B030D-6E8A-4147-A177-3AD203B41FA5}">
-                      <a16:colId xmlns:a16="http://schemas.microsoft.com/office/drawing/2014/main" xmlns="" val="48614039"/>
+                      <a16:colId xmlns="" xmlns:a16="http://schemas.microsoft.com/office/drawing/2014/main" val="48614039"/>
                     </a:ext>
                   </a:extLst>
                 </a:gridCol>
                 <a:gridCol w="6281571">
                   <a:extLst>
                     <a:ext uri="{9D8B030D-6E8A-4147-A177-3AD203B41FA5}">
-                      <a16:colId xmlns:a16="http://schemas.microsoft.com/office/drawing/2014/main" xmlns="" val="1124546490"/>
+                      <a16:colId xmlns="" xmlns:a16="http://schemas.microsoft.com/office/drawing/2014/main" val="1124546490"/>
                     </a:ext>
                   </a:extLst>
                 </a:gridCol>
@@ -11197,7 +11405,7 @@
                 </a:tc>
                 <a:extLst>
                   <a:ext uri="{0D108BD9-81ED-4DB2-BD59-A6C34878D82A}">
-                    <a16:rowId xmlns:a16="http://schemas.microsoft.com/office/drawing/2014/main" xmlns="" val="679667022"/>
+                    <a16:rowId xmlns="" xmlns:a16="http://schemas.microsoft.com/office/drawing/2014/main" val="679667022"/>
                   </a:ext>
                 </a:extLst>
               </a:tr>
@@ -11262,7 +11470,7 @@
                 </a:tc>
                 <a:extLst>
                   <a:ext uri="{0D108BD9-81ED-4DB2-BD59-A6C34878D82A}">
-                    <a16:rowId xmlns:a16="http://schemas.microsoft.com/office/drawing/2014/main" xmlns="" val="2034482246"/>
+                    <a16:rowId xmlns="" xmlns:a16="http://schemas.microsoft.com/office/drawing/2014/main" val="2034482246"/>
                   </a:ext>
                 </a:extLst>
               </a:tr>
@@ -11325,7 +11533,7 @@
                 </a:tc>
                 <a:extLst>
                   <a:ext uri="{0D108BD9-81ED-4DB2-BD59-A6C34878D82A}">
-                    <a16:rowId xmlns:a16="http://schemas.microsoft.com/office/drawing/2014/main" xmlns="" val="682465758"/>
+                    <a16:rowId xmlns="" xmlns:a16="http://schemas.microsoft.com/office/drawing/2014/main" val="682465758"/>
                   </a:ext>
                 </a:extLst>
               </a:tr>
@@ -11374,7 +11582,7 @@
                 </a:tc>
                 <a:extLst>
                   <a:ext uri="{0D108BD9-81ED-4DB2-BD59-A6C34878D82A}">
-                    <a16:rowId xmlns:a16="http://schemas.microsoft.com/office/drawing/2014/main" xmlns="" val="4230228483"/>
+                    <a16:rowId xmlns="" xmlns:a16="http://schemas.microsoft.com/office/drawing/2014/main" val="4230228483"/>
                   </a:ext>
                 </a:extLst>
               </a:tr>
@@ -11423,7 +11631,7 @@
                 </a:tc>
                 <a:extLst>
                   <a:ext uri="{0D108BD9-81ED-4DB2-BD59-A6C34878D82A}">
-                    <a16:rowId xmlns:a16="http://schemas.microsoft.com/office/drawing/2014/main" xmlns="" val="3329658239"/>
+                    <a16:rowId xmlns="" xmlns:a16="http://schemas.microsoft.com/office/drawing/2014/main" val="3329658239"/>
                   </a:ext>
                 </a:extLst>
               </a:tr>
@@ -11979,7 +12187,7 @@
               <a:buChar char="§"/>
             </a:pPr>
             <a:r>
-              <a:rPr lang="en-US" sz="2800" dirty="0" smtClean="0">
+              <a:rPr lang="en-US" sz="2800" dirty="0">
                 <a:solidFill>
                   <a:srgbClr val="000000"/>
                 </a:solidFill>
@@ -11987,7 +12195,7 @@
               <a:t>.</a:t>
             </a:r>
             <a:r>
-              <a:rPr lang="en-US" sz="2800" dirty="0" err="1" smtClean="0">
+              <a:rPr lang="en-US" sz="2800" dirty="0" err="1">
                 <a:solidFill>
                   <a:srgbClr val="000000"/>
                 </a:solidFill>
@@ -11995,7 +12203,7 @@
               <a:t>kitchen.yml</a:t>
             </a:r>
             <a:r>
-              <a:rPr lang="en-US" sz="2800" dirty="0" smtClean="0">
+              <a:rPr lang="en-US" sz="2800" dirty="0">
                 <a:solidFill>
                   <a:srgbClr val="000000"/>
                 </a:solidFill>
@@ -12009,43 +12217,46 @@
               <a:buChar char="§"/>
             </a:pPr>
             <a:r>
-              <a:rPr lang="en-US" sz="2800" dirty="0" smtClean="0">
+              <a:rPr lang="en-US" sz="2800" dirty="0">
                 <a:solidFill>
                   <a:srgbClr val="000000"/>
                 </a:solidFill>
               </a:rPr>
-              <a:t>It is generated automatically when you create a cookbook with:</a:t>
+              <a:t>Generated automatically when you create a cookbook with:</a:t>
             </a:r>
             <a:br>
-              <a:rPr lang="en-US" sz="2800" dirty="0" smtClean="0">
+              <a:rPr lang="en-US" sz="2800" dirty="0">
                 <a:solidFill>
                   <a:srgbClr val="000000"/>
                 </a:solidFill>
               </a:rPr>
             </a:br>
             <a:r>
-              <a:rPr lang="en-US" sz="2800" dirty="0" smtClean="0">
+              <a:rPr lang="en-US" sz="2800" dirty="0">
                 <a:solidFill>
                   <a:srgbClr val="000000"/>
                 </a:solidFill>
+                <a:latin typeface="Lucida Console" pitchFamily="49" charset="0"/>
               </a:rPr>
-              <a:t>‘$chef generate cookbook &lt;</a:t>
-            </a:r>
-            <a:r>
-              <a:rPr lang="en-US" sz="2800" dirty="0" err="1" smtClean="0">
+              <a:t>$chef generate cookbook &lt;</a:t>
+            </a:r>
+            <a:r>
+              <a:rPr lang="en-US" sz="2800" dirty="0" err="1">
                 <a:solidFill>
                   <a:srgbClr val="000000"/>
                 </a:solidFill>
+                <a:latin typeface="Lucida Console" pitchFamily="49" charset="0"/>
               </a:rPr>
               <a:t>cookbook_name</a:t>
             </a:r>
             <a:r>
-              <a:rPr lang="en-US" sz="2800" dirty="0" smtClean="0">
+              <a:rPr lang="en-US" sz="2800" dirty="0">
                 <a:solidFill>
                   <a:srgbClr val="000000"/>
                 </a:solidFill>
+                <a:latin typeface="Lucida Console" pitchFamily="49" charset="0"/>
               </a:rPr>
-              <a:t>&gt;’</a:t>
+              <a:t>&gt;</a:t>
             </a:r>
           </a:p>
           <a:p>
@@ -12054,7 +12265,7 @@
               <a:buChar char="§"/>
             </a:pPr>
             <a:r>
-              <a:rPr lang="en-US" sz="2800" dirty="0" smtClean="0">
+              <a:rPr lang="en-US" sz="2800" dirty="0">
                 <a:solidFill>
                   <a:srgbClr val="000000"/>
                 </a:solidFill>
@@ -12068,53 +12279,7 @@
               <a:buChar char="§"/>
             </a:pPr>
             <a:r>
-              <a:rPr lang="en-US" sz="2800" dirty="0" smtClean="0">
-                <a:solidFill>
-                  <a:srgbClr val="000000"/>
-                </a:solidFill>
-              </a:rPr>
-              <a:t>Use </a:t>
-            </a:r>
-            <a:r>
               <a:rPr lang="en-US" sz="2800" dirty="0">
-                <a:solidFill>
-                  <a:srgbClr val="000000"/>
-                </a:solidFill>
-              </a:rPr>
-              <a:t>‘$</a:t>
-            </a:r>
-            <a:r>
-              <a:rPr lang="en-US" sz="2800" dirty="0" err="1">
-                <a:solidFill>
-                  <a:srgbClr val="000000"/>
-                </a:solidFill>
-              </a:rPr>
-              <a:t>ls</a:t>
-            </a:r>
-            <a:r>
-              <a:rPr lang="en-US" sz="2800" dirty="0">
-                <a:solidFill>
-                  <a:srgbClr val="000000"/>
-                </a:solidFill>
-              </a:rPr>
-              <a:t> –a’ to see hidden files on </a:t>
-            </a:r>
-            <a:r>
-              <a:rPr lang="en-US" sz="2800" dirty="0" smtClean="0">
-                <a:solidFill>
-                  <a:srgbClr val="000000"/>
-                </a:solidFill>
-              </a:rPr>
-              <a:t>Linux</a:t>
-            </a:r>
-          </a:p>
-          <a:p>
-            <a:pPr marL="1022350" lvl="1" indent="-334963">
-              <a:buFont typeface="Wingdings" charset="2"/>
-              <a:buChar char="§"/>
-            </a:pPr>
-            <a:r>
-              <a:rPr lang="en-US" sz="2800" dirty="0" smtClean="0">
                 <a:solidFill>
                   <a:srgbClr val="000000"/>
                 </a:solidFill>
@@ -12122,7 +12287,7 @@
               <a:t>This is a </a:t>
             </a:r>
             <a:r>
-              <a:rPr lang="en-US" sz="2800" dirty="0" err="1" smtClean="0">
+              <a:rPr lang="en-US" sz="2800" dirty="0" err="1">
                 <a:solidFill>
                   <a:srgbClr val="000000"/>
                 </a:solidFill>
@@ -12130,7 +12295,7 @@
               <a:t>yaml</a:t>
             </a:r>
             <a:r>
-              <a:rPr lang="en-US" sz="2800" dirty="0" smtClean="0">
+              <a:rPr lang="en-US" sz="2800" dirty="0">
                 <a:solidFill>
                   <a:srgbClr val="000000"/>
                 </a:solidFill>
@@ -12606,12 +12771,12 @@
               <a:buChar char="§"/>
             </a:pPr>
             <a:r>
-              <a:rPr lang="en-US" sz="2800" dirty="0" smtClean="0">
+              <a:rPr lang="en-US" sz="2800" dirty="0">
                 <a:solidFill>
                   <a:srgbClr val="000000"/>
                 </a:solidFill>
               </a:rPr>
-              <a:t>First we define the driver</a:t>
+              <a:t>Define the driver</a:t>
             </a:r>
           </a:p>
           <a:p>
@@ -12620,7 +12785,7 @@
               <a:buChar char="§"/>
             </a:pPr>
             <a:r>
-              <a:rPr lang="en-US" sz="2800" dirty="0" smtClean="0">
+              <a:rPr lang="en-US" sz="2800" dirty="0">
                 <a:solidFill>
                   <a:srgbClr val="000000"/>
                 </a:solidFill>
@@ -12634,7 +12799,7 @@
               <a:buChar char="§"/>
             </a:pPr>
             <a:r>
-              <a:rPr lang="en-US" sz="2800" dirty="0" smtClean="0">
+              <a:rPr lang="en-US" sz="2800" dirty="0">
                 <a:solidFill>
                   <a:srgbClr val="000000"/>
                 </a:solidFill>
@@ -12642,7 +12807,7 @@
               <a:t>Common drivers are ‘</a:t>
             </a:r>
             <a:r>
-              <a:rPr lang="en-US" sz="2800" dirty="0" err="1" smtClean="0">
+              <a:rPr lang="en-US" sz="2800" dirty="0" err="1">
                 <a:solidFill>
                   <a:srgbClr val="000000"/>
                 </a:solidFill>
@@ -12650,7 +12815,7 @@
               <a:t>docker</a:t>
             </a:r>
             <a:r>
-              <a:rPr lang="en-US" sz="2800" dirty="0" smtClean="0">
+              <a:rPr lang="en-US" sz="2800" dirty="0">
                 <a:solidFill>
                   <a:srgbClr val="000000"/>
                 </a:solidFill>
@@ -12664,7 +12829,7 @@
               <a:buChar char="§"/>
             </a:pPr>
             <a:r>
-              <a:rPr lang="en-US" sz="2800" dirty="0" smtClean="0">
+              <a:rPr lang="en-US" sz="2800" dirty="0">
                 <a:solidFill>
                   <a:srgbClr val="000000"/>
                 </a:solidFill>
@@ -12672,47 +12837,52 @@
               <a:t>The code looks like this:</a:t>
             </a:r>
             <a:br>
-              <a:rPr lang="en-US" sz="2800" dirty="0" smtClean="0">
+              <a:rPr lang="en-US" sz="2800" dirty="0">
                 <a:solidFill>
                   <a:srgbClr val="000000"/>
                 </a:solidFill>
               </a:rPr>
             </a:br>
             <a:r>
-              <a:rPr lang="en-US" sz="2800" dirty="0" smtClean="0">
+              <a:rPr lang="en-US" sz="2800" dirty="0">
                 <a:solidFill>
                   <a:srgbClr val="000000"/>
                 </a:solidFill>
+                <a:latin typeface="Lucida Console" pitchFamily="49" charset="0"/>
               </a:rPr>
               <a:t> driver:</a:t>
             </a:r>
             <a:br>
-              <a:rPr lang="en-US" sz="2800" dirty="0" smtClean="0">
+              <a:rPr lang="en-US" sz="2800" dirty="0">
                 <a:solidFill>
                   <a:srgbClr val="000000"/>
                 </a:solidFill>
+                <a:latin typeface="Lucida Console" pitchFamily="49" charset="0"/>
               </a:rPr>
             </a:br>
             <a:r>
-              <a:rPr lang="en-US" sz="2800" dirty="0" smtClean="0">
+              <a:rPr lang="en-US" sz="2800" dirty="0">
                 <a:solidFill>
                   <a:srgbClr val="000000"/>
                 </a:solidFill>
+                <a:latin typeface="Lucida Console" pitchFamily="49" charset="0"/>
               </a:rPr>
               <a:t>    name: </a:t>
             </a:r>
             <a:r>
-              <a:rPr lang="en-US" sz="2800" dirty="0" err="1" smtClean="0">
+              <a:rPr lang="en-US" sz="2800" dirty="0" err="1">
                 <a:solidFill>
                   <a:srgbClr val="000000"/>
                 </a:solidFill>
+                <a:latin typeface="Lucida Console" pitchFamily="49" charset="0"/>
               </a:rPr>
               <a:t>docker</a:t>
             </a:r>
-            <a:endParaRPr lang="en-US" sz="2800" dirty="0" smtClean="0">
+            <a:endParaRPr lang="en-US" sz="2800" dirty="0">
               <a:solidFill>
                 <a:srgbClr val="000000"/>
               </a:solidFill>
+              <a:latin typeface="Lucida Console" pitchFamily="49" charset="0"/>
             </a:endParaRPr>
           </a:p>
         </p:txBody>
@@ -13191,7 +13361,7 @@
               </a:rPr>
             </a:br>
             <a:r>
-              <a:rPr lang="en-US" sz="2800" dirty="0" smtClean="0">
+              <a:rPr lang="en-US" sz="2800" dirty="0">
                 <a:solidFill>
                   <a:srgbClr val="000000"/>
                 </a:solidFill>
@@ -13199,48 +13369,54 @@
               <a:t> </a:t>
             </a:r>
             <a:r>
-              <a:rPr lang="en-US" sz="2800" dirty="0" err="1" smtClean="0">
+              <a:rPr lang="en-US" sz="2800" dirty="0" err="1">
                 <a:solidFill>
                   <a:srgbClr val="000000"/>
                 </a:solidFill>
+                <a:latin typeface="Lucida Console" pitchFamily="49" charset="0"/>
               </a:rPr>
               <a:t>provisioner</a:t>
             </a:r>
             <a:r>
-              <a:rPr lang="en-US" sz="2800" dirty="0" smtClean="0">
+              <a:rPr lang="en-US" sz="2800" dirty="0">
                 <a:solidFill>
                   <a:srgbClr val="000000"/>
                 </a:solidFill>
+                <a:latin typeface="Lucida Console" pitchFamily="49" charset="0"/>
               </a:rPr>
               <a:t>:</a:t>
             </a:r>
             <a:br>
-              <a:rPr lang="en-US" sz="2800" dirty="0" smtClean="0">
+              <a:rPr lang="en-US" sz="2800" dirty="0">
                 <a:solidFill>
                   <a:srgbClr val="000000"/>
                 </a:solidFill>
+                <a:latin typeface="Lucida Console" pitchFamily="49" charset="0"/>
               </a:rPr>
             </a:br>
             <a:r>
-              <a:rPr lang="en-US" sz="2800" dirty="0" smtClean="0">
+              <a:rPr lang="en-US" sz="2800" dirty="0">
                 <a:solidFill>
                   <a:srgbClr val="000000"/>
                 </a:solidFill>
+                <a:latin typeface="Lucida Console" pitchFamily="49" charset="0"/>
               </a:rPr>
               <a:t>    name: </a:t>
             </a:r>
             <a:r>
-              <a:rPr lang="en-US" sz="2800" dirty="0" err="1" smtClean="0">
+              <a:rPr lang="en-US" sz="2800" dirty="0" err="1">
                 <a:solidFill>
                   <a:srgbClr val="000000"/>
                 </a:solidFill>
+                <a:latin typeface="Lucida Console" pitchFamily="49" charset="0"/>
               </a:rPr>
               <a:t>chef_zero</a:t>
             </a:r>
-            <a:endParaRPr lang="en-US" sz="2800" dirty="0" smtClean="0">
+            <a:endParaRPr lang="en-US" sz="2800" dirty="0">
               <a:solidFill>
                 <a:srgbClr val="000000"/>
               </a:solidFill>
+              <a:latin typeface="Lucida Console" pitchFamily="49" charset="0"/>
             </a:endParaRPr>
           </a:p>
         </p:txBody>
@@ -13681,18 +13857,28 @@
               </a:rPr>
             </a:br>
             <a:r>
-              <a:rPr lang="en-US" sz="2800" dirty="0" smtClean="0">
+              <a:rPr lang="en-US" sz="2800" dirty="0">
                 <a:solidFill>
                   <a:srgbClr val="000000"/>
                 </a:solidFill>
               </a:rPr>
-              <a:t> platforms:</a:t>
+              <a:t> </a:t>
+            </a:r>
+            <a:r>
+              <a:rPr lang="en-US" sz="2800" dirty="0">
+                <a:solidFill>
+                  <a:srgbClr val="000000"/>
+                </a:solidFill>
+                <a:latin typeface="Lucida Console" pitchFamily="49" charset="0"/>
+              </a:rPr>
+              <a:t>platforms:</a:t>
             </a:r>
             <a:br>
-              <a:rPr lang="en-US" sz="2800" dirty="0" smtClean="0">
+              <a:rPr lang="en-US" sz="2800" dirty="0">
                 <a:solidFill>
                   <a:srgbClr val="000000"/>
                 </a:solidFill>
+                <a:latin typeface="Lucida Console" pitchFamily="49" charset="0"/>
               </a:rPr>
             </a:br>
             <a:r>
@@ -13700,22 +13886,16 @@
                 <a:solidFill>
                   <a:srgbClr val="000000"/>
                 </a:solidFill>
+                <a:latin typeface="Lucida Console" pitchFamily="49" charset="0"/>
               </a:rPr>
-              <a:t> -  name: ubuntu-</a:t>
-            </a:r>
-            <a:r>
-              <a:rPr lang="en-US" sz="2800" dirty="0" smtClean="0">
+              <a:t> -  name: ubuntu-14.04</a:t>
+            </a:r>
+            <a:br>
+              <a:rPr lang="en-US" sz="2800" dirty="0">
                 <a:solidFill>
                   <a:srgbClr val="000000"/>
                 </a:solidFill>
-              </a:rPr>
-              <a:t>14.04</a:t>
-            </a:r>
-            <a:br>
-              <a:rPr lang="en-US" sz="2800" dirty="0" smtClean="0">
-                <a:solidFill>
-                  <a:srgbClr val="000000"/>
-                </a:solidFill>
+                <a:latin typeface="Lucida Console" pitchFamily="49" charset="0"/>
               </a:rPr>
             </a:br>
             <a:r>
@@ -13723,16 +13903,9 @@
                 <a:solidFill>
                   <a:srgbClr val="000000"/>
                 </a:solidFill>
+                <a:latin typeface="Lucida Console" pitchFamily="49" charset="0"/>
               </a:rPr>
-              <a:t> -  name: </a:t>
-            </a:r>
-            <a:r>
-              <a:rPr lang="en-US" sz="2800" dirty="0" smtClean="0">
-                <a:solidFill>
-                  <a:srgbClr val="000000"/>
-                </a:solidFill>
-              </a:rPr>
-              <a:t>centos-6.4</a:t>
+              <a:t> -  name: centos-6.4</a:t>
             </a:r>
           </a:p>
         </p:txBody>
@@ -14116,12 +14289,12 @@
               <a:buChar char="§"/>
             </a:pPr>
             <a:r>
-              <a:rPr lang="en-US" sz="2800" dirty="0" smtClean="0">
+              <a:rPr lang="en-US" sz="2800" dirty="0">
                 <a:solidFill>
                   <a:srgbClr val="000000"/>
                 </a:solidFill>
               </a:rPr>
-              <a:t>Next, we define which recipes are to be run in the virtual environment</a:t>
+              <a:t>Next, define which recipes are to be run in the virtual environment</a:t>
             </a:r>
           </a:p>
           <a:p>
@@ -14130,7 +14303,7 @@
               <a:buChar char="§"/>
             </a:pPr>
             <a:r>
-              <a:rPr lang="en-US" sz="2800" dirty="0" smtClean="0">
+              <a:rPr lang="en-US" sz="2800" dirty="0">
                 <a:solidFill>
                   <a:srgbClr val="000000"/>
                 </a:solidFill>
@@ -14138,7 +14311,7 @@
               <a:t>In this example code, ‘</a:t>
             </a:r>
             <a:r>
-              <a:rPr lang="en-US" sz="2800" dirty="0" smtClean="0">
+              <a:rPr lang="en-US" sz="2800" dirty="0">
                 <a:solidFill>
                   <a:schemeClr val="tx1"/>
                 </a:solidFill>
@@ -14146,7 +14319,7 @@
               <a:t>default</a:t>
             </a:r>
             <a:r>
-              <a:rPr lang="en-US" sz="2800" dirty="0" smtClean="0">
+              <a:rPr lang="en-US" sz="2800" dirty="0">
                 <a:solidFill>
                   <a:srgbClr val="000000"/>
                 </a:solidFill>
@@ -14154,7 +14327,7 @@
               <a:t>’ references the </a:t>
             </a:r>
             <a:r>
-              <a:rPr lang="en-US" sz="2800" dirty="0" err="1" smtClean="0">
+              <a:rPr lang="en-US" sz="2800" dirty="0" err="1">
                 <a:solidFill>
                   <a:srgbClr val="000000"/>
                 </a:solidFill>
@@ -14162,14 +14335,14 @@
               <a:t>default.rb</a:t>
             </a:r>
             <a:r>
-              <a:rPr lang="en-US" sz="2800" dirty="0" smtClean="0">
+              <a:rPr lang="en-US" sz="2800" dirty="0">
                 <a:solidFill>
                   <a:srgbClr val="000000"/>
                 </a:solidFill>
               </a:rPr>
               <a:t> recipe in the apache cookbook:</a:t>
             </a:r>
-            <a:endParaRPr lang="en-US" sz="2800" b="1" dirty="0" smtClean="0">
+            <a:endParaRPr lang="en-US" sz="2800" b="1" dirty="0">
               <a:solidFill>
                 <a:srgbClr val="000000"/>
               </a:solidFill>
@@ -14876,7 +15049,7 @@
           <a:p>
             <a:r>
               <a:rPr lang="en-US" sz="4800" dirty="0" smtClean="0"/>
-              <a:t>Write your test</a:t>
+              <a:t>Example Test Code</a:t>
             </a:r>
             <a:endParaRPr lang="en-US" sz="4800" dirty="0"/>
           </a:p>
@@ -17704,7 +17877,15 @@
           <a:p>
             <a:r>
               <a:rPr lang="en-US" sz="4800" dirty="0" smtClean="0"/>
-              <a:t>Unit Testing Continued</a:t>
+              <a:t>Uses </a:t>
+            </a:r>
+            <a:r>
+              <a:rPr lang="en-US" sz="4800" dirty="0" smtClean="0"/>
+              <a:t>of </a:t>
+            </a:r>
+            <a:r>
+              <a:rPr lang="en-US" sz="4800" dirty="0" smtClean="0"/>
+              <a:t>Unit Testing</a:t>
             </a:r>
             <a:endParaRPr lang="en-US" sz="4800" dirty="0"/>
           </a:p>
@@ -19199,7 +19380,7 @@
   <a:extraClrSchemeLst/>
   <a:extLst>
     <a:ext uri="{05A4C25C-085E-4340-85A3-A5531E510DB2}">
-      <thm15:themeFamily xmlns:thm15="http://schemas.microsoft.com/office/thememl/2012/main" xmlns="" name="Office Theme" id="{62F939B6-93AF-4DB8-9C6B-D6C7DFDC589F}" vid="{4A3C46E8-61CC-4603-A589-7422A47A8E4A}"/>
+      <thm15:themeFamily xmlns="" xmlns:thm15="http://schemas.microsoft.com/office/thememl/2012/main" name="Office Theme" id="{62F939B6-93AF-4DB8-9C6B-D6C7DFDC589F}" vid="{4A3C46E8-61CC-4603-A589-7422A47A8E4A}"/>
     </a:ext>
   </a:extLst>
 </a:theme>
@@ -19494,7 +19675,7 @@
   <a:extraClrSchemeLst/>
   <a:extLst>
     <a:ext uri="{05A4C25C-085E-4340-85A3-A5531E510DB2}">
-      <thm15:themeFamily xmlns="" xmlns:thm15="http://schemas.microsoft.com/office/thememl/2012/main" name="Office Theme" id="{62F939B6-93AF-4DB8-9C6B-D6C7DFDC589F}" vid="{4A3C46E8-61CC-4603-A589-7422A47A8E4A}"/>
+      <thm15:themeFamily xmlns:thm15="http://schemas.microsoft.com/office/thememl/2012/main" xmlns="" name="Office Theme" id="{62F939B6-93AF-4DB8-9C6B-D6C7DFDC589F}" vid="{4A3C46E8-61CC-4603-A589-7422A47A8E4A}"/>
     </a:ext>
   </a:extLst>
 </a:theme>
